--- a/Auction DataSet.pptx
+++ b/Auction DataSet.pptx
@@ -1,15 +1,15 @@
 
 <file path=ppt/presentation.xml><?xml version="1.0" encoding="utf-8"?>
-<p:presentation xmlns:a="http://schemas.openxmlformats.org/drawingml/2006/main" xmlns:p="http://schemas.openxmlformats.org/presentationml/2006/main" xmlns:r="http://schemas.openxmlformats.org/officeDocument/2006/relationships" saveSubsetFonts="1">
+<p:presentation xmlns:a="http://schemas.openxmlformats.org/drawingml/2006/main" xmlns:r="http://schemas.openxmlformats.org/officeDocument/2006/relationships" xmlns:p="http://schemas.openxmlformats.org/presentationml/2006/main" saveSubsetFonts="1">
   <p:sldMasterIdLst>
     <p:sldMasterId id="2147483648" r:id="rId1"/>
   </p:sldMasterIdLst>
   <p:sldIdLst>
-    <p:sldId id="256" r:id="rId6"/>
-    <p:sldId id="257" r:id="rId7"/>
-    <p:sldId id="258" r:id="rId8"/>
-    <p:sldId id="259" r:id="rId9"/>
-    <p:sldId id="260" r:id="rId10"/>
+    <p:sldId id="256" r:id="rId2"/>
+    <p:sldId id="257" r:id="rId3"/>
+    <p:sldId id="258" r:id="rId4"/>
+    <p:sldId id="259" r:id="rId5"/>
+    <p:sldId id="260" r:id="rId6"/>
   </p:sldIdLst>
   <p:sldSz cx="12192000" cy="6858000"/>
   <p:notesSz cx="6858000" cy="9144000"/>
@@ -17,8 +17,8 @@
     <a:defPPr>
       <a:defRPr lang="en-US"/>
     </a:defPPr>
-    <a:lvl1pPr algn="l" defTabSz="914400" eaLnBrk="1" hangingPunct="1" latinLnBrk="0" marL="0" rtl="0">
-      <a:defRPr kern="1200" sz="1800">
+    <a:lvl1pPr marL="0" algn="l" defTabSz="914400" rtl="0" eaLnBrk="1" latinLnBrk="0" hangingPunct="1">
+      <a:defRPr sz="1800" kern="1200">
         <a:solidFill>
           <a:schemeClr val="tx1"/>
         </a:solidFill>
@@ -27,8 +27,8 @@
         <a:cs typeface="+mn-cs"/>
       </a:defRPr>
     </a:lvl1pPr>
-    <a:lvl2pPr algn="l" defTabSz="914400" eaLnBrk="1" hangingPunct="1" latinLnBrk="0" marL="457200" rtl="0">
-      <a:defRPr kern="1200" sz="1800">
+    <a:lvl2pPr marL="457200" algn="l" defTabSz="914400" rtl="0" eaLnBrk="1" latinLnBrk="0" hangingPunct="1">
+      <a:defRPr sz="1800" kern="1200">
         <a:solidFill>
           <a:schemeClr val="tx1"/>
         </a:solidFill>
@@ -37,8 +37,8 @@
         <a:cs typeface="+mn-cs"/>
       </a:defRPr>
     </a:lvl2pPr>
-    <a:lvl3pPr algn="l" defTabSz="914400" eaLnBrk="1" hangingPunct="1" latinLnBrk="0" marL="914400" rtl="0">
-      <a:defRPr kern="1200" sz="1800">
+    <a:lvl3pPr marL="914400" algn="l" defTabSz="914400" rtl="0" eaLnBrk="1" latinLnBrk="0" hangingPunct="1">
+      <a:defRPr sz="1800" kern="1200">
         <a:solidFill>
           <a:schemeClr val="tx1"/>
         </a:solidFill>
@@ -47,8 +47,8 @@
         <a:cs typeface="+mn-cs"/>
       </a:defRPr>
     </a:lvl3pPr>
-    <a:lvl4pPr algn="l" defTabSz="914400" eaLnBrk="1" hangingPunct="1" latinLnBrk="0" marL="1371600" rtl="0">
-      <a:defRPr kern="1200" sz="1800">
+    <a:lvl4pPr marL="1371600" algn="l" defTabSz="914400" rtl="0" eaLnBrk="1" latinLnBrk="0" hangingPunct="1">
+      <a:defRPr sz="1800" kern="1200">
         <a:solidFill>
           <a:schemeClr val="tx1"/>
         </a:solidFill>
@@ -57,8 +57,8 @@
         <a:cs typeface="+mn-cs"/>
       </a:defRPr>
     </a:lvl4pPr>
-    <a:lvl5pPr algn="l" defTabSz="914400" eaLnBrk="1" hangingPunct="1" latinLnBrk="0" marL="1828800" rtl="0">
-      <a:defRPr kern="1200" sz="1800">
+    <a:lvl5pPr marL="1828800" algn="l" defTabSz="914400" rtl="0" eaLnBrk="1" latinLnBrk="0" hangingPunct="1">
+      <a:defRPr sz="1800" kern="1200">
         <a:solidFill>
           <a:schemeClr val="tx1"/>
         </a:solidFill>
@@ -67,8 +67,8 @@
         <a:cs typeface="+mn-cs"/>
       </a:defRPr>
     </a:lvl5pPr>
-    <a:lvl6pPr algn="l" defTabSz="914400" eaLnBrk="1" hangingPunct="1" latinLnBrk="0" marL="2286000" rtl="0">
-      <a:defRPr kern="1200" sz="1800">
+    <a:lvl6pPr marL="2286000" algn="l" defTabSz="914400" rtl="0" eaLnBrk="1" latinLnBrk="0" hangingPunct="1">
+      <a:defRPr sz="1800" kern="1200">
         <a:solidFill>
           <a:schemeClr val="tx1"/>
         </a:solidFill>
@@ -77,8 +77,8 @@
         <a:cs typeface="+mn-cs"/>
       </a:defRPr>
     </a:lvl6pPr>
-    <a:lvl7pPr algn="l" defTabSz="914400" eaLnBrk="1" hangingPunct="1" latinLnBrk="0" marL="2743200" rtl="0">
-      <a:defRPr kern="1200" sz="1800">
+    <a:lvl7pPr marL="2743200" algn="l" defTabSz="914400" rtl="0" eaLnBrk="1" latinLnBrk="0" hangingPunct="1">
+      <a:defRPr sz="1800" kern="1200">
         <a:solidFill>
           <a:schemeClr val="tx1"/>
         </a:solidFill>
@@ -87,8 +87,8 @@
         <a:cs typeface="+mn-cs"/>
       </a:defRPr>
     </a:lvl7pPr>
-    <a:lvl8pPr algn="l" defTabSz="914400" eaLnBrk="1" hangingPunct="1" latinLnBrk="0" marL="3200400" rtl="0">
-      <a:defRPr kern="1200" sz="1800">
+    <a:lvl8pPr marL="3200400" algn="l" defTabSz="914400" rtl="0" eaLnBrk="1" latinLnBrk="0" hangingPunct="1">
+      <a:defRPr sz="1800" kern="1200">
         <a:solidFill>
           <a:schemeClr val="tx1"/>
         </a:solidFill>
@@ -97,8 +97,8 @@
         <a:cs typeface="+mn-cs"/>
       </a:defRPr>
     </a:lvl8pPr>
-    <a:lvl9pPr algn="l" defTabSz="914400" eaLnBrk="1" hangingPunct="1" latinLnBrk="0" marL="3657600" rtl="0">
-      <a:defRPr kern="1200" sz="1800">
+    <a:lvl9pPr marL="3657600" algn="l" defTabSz="914400" rtl="0" eaLnBrk="1" latinLnBrk="0" hangingPunct="1">
+      <a:defRPr sz="1800" kern="1200">
         <a:solidFill>
           <a:schemeClr val="tx1"/>
         </a:solidFill>
@@ -108,6 +108,11 @@
       </a:defRPr>
     </a:lvl9pPr>
   </p:defaultTextStyle>
+  <p:extLst>
+    <p:ext uri="{EFAFB233-063F-42B5-8137-9DF3F51BA10A}">
+      <p15:sldGuideLst xmlns:p15="http://schemas.microsoft.com/office/powerpoint/2012/main"/>
+    </p:ext>
+  </p:extLst>
 </p:presentation>
 </file>
 
@@ -258,7 +263,7 @@
           <a:p>
             <a:fld id="{EED1C14C-A143-42F5-B247-D0E800131009}" type="datetimeFigureOut">
               <a:rPr lang="en-US" smtClean="0"/>
-              <a:t>8/15/2018</a:t>
+              <a:t>4/9/22</a:t>
             </a:fld>
             <a:endParaRPr lang="en-US"/>
           </a:p>
@@ -456,7 +461,7 @@
           <a:p>
             <a:fld id="{EED1C14C-A143-42F5-B247-D0E800131009}" type="datetimeFigureOut">
               <a:rPr lang="en-US" smtClean="0"/>
-              <a:t>8/15/2018</a:t>
+              <a:t>4/9/22</a:t>
             </a:fld>
             <a:endParaRPr lang="en-US"/>
           </a:p>
@@ -664,7 +669,7 @@
           <a:p>
             <a:fld id="{EED1C14C-A143-42F5-B247-D0E800131009}" type="datetimeFigureOut">
               <a:rPr lang="en-US" smtClean="0"/>
-              <a:t>8/15/2018</a:t>
+              <a:t>4/9/22</a:t>
             </a:fld>
             <a:endParaRPr lang="en-US"/>
           </a:p>
@@ -862,7 +867,7 @@
           <a:p>
             <a:fld id="{EED1C14C-A143-42F5-B247-D0E800131009}" type="datetimeFigureOut">
               <a:rPr lang="en-US" smtClean="0"/>
-              <a:t>8/15/2018</a:t>
+              <a:t>4/9/22</a:t>
             </a:fld>
             <a:endParaRPr lang="en-US"/>
           </a:p>
@@ -1137,7 +1142,7 @@
           <a:p>
             <a:fld id="{EED1C14C-A143-42F5-B247-D0E800131009}" type="datetimeFigureOut">
               <a:rPr lang="en-US" smtClean="0"/>
-              <a:t>8/15/2018</a:t>
+              <a:t>4/9/22</a:t>
             </a:fld>
             <a:endParaRPr lang="en-US"/>
           </a:p>
@@ -1402,7 +1407,7 @@
           <a:p>
             <a:fld id="{EED1C14C-A143-42F5-B247-D0E800131009}" type="datetimeFigureOut">
               <a:rPr lang="en-US" smtClean="0"/>
-              <a:t>8/15/2018</a:t>
+              <a:t>4/9/22</a:t>
             </a:fld>
             <a:endParaRPr lang="en-US"/>
           </a:p>
@@ -1814,7 +1819,7 @@
           <a:p>
             <a:fld id="{EED1C14C-A143-42F5-B247-D0E800131009}" type="datetimeFigureOut">
               <a:rPr lang="en-US" smtClean="0"/>
-              <a:t>8/15/2018</a:t>
+              <a:t>4/9/22</a:t>
             </a:fld>
             <a:endParaRPr lang="en-US"/>
           </a:p>
@@ -1955,7 +1960,7 @@
           <a:p>
             <a:fld id="{EED1C14C-A143-42F5-B247-D0E800131009}" type="datetimeFigureOut">
               <a:rPr lang="en-US" smtClean="0"/>
-              <a:t>8/15/2018</a:t>
+              <a:t>4/9/22</a:t>
             </a:fld>
             <a:endParaRPr lang="en-US"/>
           </a:p>
@@ -2068,7 +2073,7 @@
           <a:p>
             <a:fld id="{EED1C14C-A143-42F5-B247-D0E800131009}" type="datetimeFigureOut">
               <a:rPr lang="en-US" smtClean="0"/>
-              <a:t>8/15/2018</a:t>
+              <a:t>4/9/22</a:t>
             </a:fld>
             <a:endParaRPr lang="en-US"/>
           </a:p>
@@ -2379,7 +2384,7 @@
           <a:p>
             <a:fld id="{EED1C14C-A143-42F5-B247-D0E800131009}" type="datetimeFigureOut">
               <a:rPr lang="en-US" smtClean="0"/>
-              <a:t>8/15/2018</a:t>
+              <a:t>4/9/22</a:t>
             </a:fld>
             <a:endParaRPr lang="en-US"/>
           </a:p>
@@ -2667,7 +2672,7 @@
           <a:p>
             <a:fld id="{EED1C14C-A143-42F5-B247-D0E800131009}" type="datetimeFigureOut">
               <a:rPr lang="en-US" smtClean="0"/>
-              <a:t>8/15/2018</a:t>
+              <a:t>4/9/22</a:t>
             </a:fld>
             <a:endParaRPr lang="en-US"/>
           </a:p>
@@ -2908,7 +2913,7 @@
           <a:p>
             <a:fld id="{EED1C14C-A143-42F5-B247-D0E800131009}" type="datetimeFigureOut">
               <a:rPr lang="en-US" smtClean="0"/>
-              <a:t>8/15/2018</a:t>
+              <a:t>4/9/22</a:t>
             </a:fld>
             <a:endParaRPr lang="en-US"/>
           </a:p>
@@ -3309,7 +3314,7 @@
 </file>
 
 <file path=ppt/slides/slide1.xml><?xml version="1.0" encoding="utf-8"?>
-<p:sld xmlns:a="http://schemas.openxmlformats.org/drawingml/2006/main" xmlns:p="http://schemas.openxmlformats.org/presentationml/2006/main" xmlns:r="http://schemas.openxmlformats.org/officeDocument/2006/relationships">
+<p:sld xmlns:a="http://schemas.openxmlformats.org/drawingml/2006/main" xmlns:r="http://schemas.openxmlformats.org/officeDocument/2006/relationships" xmlns:p="http://schemas.openxmlformats.org/presentationml/2006/main">
   <p:cSld>
     <p:spTree>
       <p:nvGrpSpPr>
@@ -3327,7 +3332,7 @@
       </p:grpSpPr>
       <p:sp>
         <p:nvSpPr>
-          <p:cNvPr id="0" name="slide1">
+          <p:cNvPr id="2" name="slide1">
             <a:extLst>
               <a:ext uri="{FF2B5EF4-FFF2-40B4-BE49-F238E27FC236}">
                 <a16:creationId xmlns:a16="http://schemas.microsoft.com/office/drawing/2014/main" id="{61654E66-2AA6-4D6A-8AD8-F3CEC57D40E0}"/>
@@ -3338,24 +3343,29 @@
             <a:spLocks noGrp="1"/>
           </p:cNvSpPr>
           <p:nvPr>
-            <p:ph idx="0" type="ctrTitle"/>
-          </p:nvPr>
-        </p:nvSpPr>
-        <p:spPr/>
-        <p:txBody>
-          <a:bodyPr/>
-          <a:lstStyle/>
-          <a:p>
-            <a:r>
-              <a:rPr/>
-              <a:t>Draft_My_v1</a:t>
-            </a:r>
-          </a:p>
-        </p:txBody>
-      </p:sp>
-      <p:sp>
-        <p:nvSpPr>
-          <p:cNvPr id="1" name="slide1">
+            <p:ph type="ctrTitle"/>
+          </p:nvPr>
+        </p:nvSpPr>
+        <p:spPr/>
+        <p:txBody>
+          <a:bodyPr/>
+          <a:lstStyle/>
+          <a:p>
+            <a:r>
+              <a:rPr lang="en-US" dirty="0"/>
+              <a:t>Auction </a:t>
+            </a:r>
+            <a:r>
+              <a:rPr lang="en-US" dirty="0" err="1"/>
+              <a:t>DataSet</a:t>
+            </a:r>
+            <a:endParaRPr dirty="0"/>
+          </a:p>
+        </p:txBody>
+      </p:sp>
+      <p:sp>
+        <p:nvSpPr>
+          <p:cNvPr id="3" name="slide1">
             <a:extLst>
               <a:ext uri="{FF2B5EF4-FFF2-40B4-BE49-F238E27FC236}">
                 <a16:creationId xmlns:a16="http://schemas.microsoft.com/office/drawing/2014/main" id="{2DC711B0-E863-435C-9EFA-B5730B42AA99}"/>
@@ -3366,16 +3376,15 @@
             <a:spLocks noGrp="1"/>
           </p:cNvSpPr>
           <p:nvPr>
-            <p:ph idx="1" type="subTitle"/>
-          </p:nvPr>
-        </p:nvSpPr>
-        <p:spPr/>
-        <p:txBody>
-          <a:bodyPr/>
-          <a:lstStyle/>
-          <a:p>
-            <a:r>
-              <a:rPr/>
+            <p:ph type="subTitle" idx="1"/>
+          </p:nvPr>
+        </p:nvSpPr>
+        <p:spPr/>
+        <p:txBody>
+          <a:bodyPr/>
+          <a:lstStyle/>
+          <a:p>
+            <a:r>
               <a:t>File created on: 4/9/22 6:15:43 PM EDT</a:t>
             </a:r>
           </a:p>
@@ -3395,7 +3404,7 @@
 </file>
 
 <file path=ppt/slides/slide2.xml><?xml version="1.0" encoding="utf-8"?>
-<p:sld xmlns:a="http://schemas.openxmlformats.org/drawingml/2006/main" xmlns:p="http://schemas.openxmlformats.org/presentationml/2006/main" xmlns:r="http://schemas.openxmlformats.org/officeDocument/2006/relationships">
+<p:sld xmlns:a="http://schemas.openxmlformats.org/drawingml/2006/main" xmlns:r="http://schemas.openxmlformats.org/officeDocument/2006/relationships" xmlns:p="http://schemas.openxmlformats.org/presentationml/2006/main">
   <p:cSld>
     <p:spTree>
       <p:nvGrpSpPr>
@@ -3413,7 +3422,7 @@
       </p:grpSpPr>
       <p:pic>
         <p:nvPicPr>
-          <p:cNvPr descr="Story 12" id="2" name="slide2">
+          <p:cNvPr id="2" name="slide2" descr="Story 12">
             <a:extLst>
               <a:ext uri="{FF2B5EF4-FFF2-40B4-BE49-F238E27FC236}">
                 <a16:creationId xmlns:a16="http://schemas.microsoft.com/office/drawing/2014/main" id="{7985F24B-379E-42A6-AC32-4CE35464A617}"/>
@@ -3426,7 +3435,7 @@
           <p:nvPr/>
         </p:nvPicPr>
         <p:blipFill>
-          <a:blip r:embed="rId7">
+          <a:blip r:embed="rId2">
             <a:extLst>
               <a:ext uri="{28A0092B-C50C-407E-A947-70E740481C1C}">
                 <a14:useLocalDpi xmlns:a14="http://schemas.microsoft.com/office/drawing/2010/main" val="0"/>
@@ -3461,7 +3470,7 @@
 </file>
 
 <file path=ppt/slides/slide3.xml><?xml version="1.0" encoding="utf-8"?>
-<p:sld xmlns:a="http://schemas.openxmlformats.org/drawingml/2006/main" xmlns:p="http://schemas.openxmlformats.org/presentationml/2006/main" xmlns:r="http://schemas.openxmlformats.org/officeDocument/2006/relationships">
+<p:sld xmlns:a="http://schemas.openxmlformats.org/drawingml/2006/main" xmlns:r="http://schemas.openxmlformats.org/officeDocument/2006/relationships" xmlns:p="http://schemas.openxmlformats.org/presentationml/2006/main">
   <p:cSld>
     <p:spTree>
       <p:nvGrpSpPr>
@@ -3479,7 +3488,7 @@
       </p:grpSpPr>
       <p:pic>
         <p:nvPicPr>
-          <p:cNvPr descr="Story 11" id="3" name="slide3">
+          <p:cNvPr id="3" name="slide3" descr="Story 11">
             <a:extLst>
               <a:ext uri="{FF2B5EF4-FFF2-40B4-BE49-F238E27FC236}">
                 <a16:creationId xmlns:a16="http://schemas.microsoft.com/office/drawing/2014/main" id="{7E7B4F07-14E1-49C1-857C-7CFF9994C071}"/>
@@ -3492,7 +3501,7 @@
           <p:nvPr/>
         </p:nvPicPr>
         <p:blipFill>
-          <a:blip r:embed="rId8">
+          <a:blip r:embed="rId2">
             <a:extLst>
               <a:ext uri="{28A0092B-C50C-407E-A947-70E740481C1C}">
                 <a14:useLocalDpi xmlns:a14="http://schemas.microsoft.com/office/drawing/2010/main" val="0"/>
@@ -3527,7 +3536,7 @@
 </file>
 
 <file path=ppt/slides/slide4.xml><?xml version="1.0" encoding="utf-8"?>
-<p:sld xmlns:a="http://schemas.openxmlformats.org/drawingml/2006/main" xmlns:p="http://schemas.openxmlformats.org/presentationml/2006/main" xmlns:r="http://schemas.openxmlformats.org/officeDocument/2006/relationships">
+<p:sld xmlns:a="http://schemas.openxmlformats.org/drawingml/2006/main" xmlns:r="http://schemas.openxmlformats.org/officeDocument/2006/relationships" xmlns:p="http://schemas.openxmlformats.org/presentationml/2006/main">
   <p:cSld>
     <p:spTree>
       <p:nvGrpSpPr>
@@ -3545,7 +3554,7 @@
       </p:grpSpPr>
       <p:pic>
         <p:nvPicPr>
-          <p:cNvPr descr="Story 13" id="4" name="slide4">
+          <p:cNvPr id="4" name="slide4" descr="Story 13">
             <a:extLst>
               <a:ext uri="{FF2B5EF4-FFF2-40B4-BE49-F238E27FC236}">
                 <a16:creationId xmlns:a16="http://schemas.microsoft.com/office/drawing/2014/main" id="{062DD0F5-79E0-4F4F-BF7F-9E772FFE28D0}"/>
@@ -3558,7 +3567,7 @@
           <p:nvPr/>
         </p:nvPicPr>
         <p:blipFill>
-          <a:blip r:embed="rId9">
+          <a:blip r:embed="rId2">
             <a:extLst>
               <a:ext uri="{28A0092B-C50C-407E-A947-70E740481C1C}">
                 <a14:useLocalDpi xmlns:a14="http://schemas.microsoft.com/office/drawing/2010/main" val="0"/>
@@ -3593,7 +3602,7 @@
 </file>
 
 <file path=ppt/slides/slide5.xml><?xml version="1.0" encoding="utf-8"?>
-<p:sld xmlns:a="http://schemas.openxmlformats.org/drawingml/2006/main" xmlns:p="http://schemas.openxmlformats.org/presentationml/2006/main" xmlns:r="http://schemas.openxmlformats.org/officeDocument/2006/relationships">
+<p:sld xmlns:a="http://schemas.openxmlformats.org/drawingml/2006/main" xmlns:r="http://schemas.openxmlformats.org/officeDocument/2006/relationships" xmlns:p="http://schemas.openxmlformats.org/presentationml/2006/main">
   <p:cSld>
     <p:spTree>
       <p:nvGrpSpPr>
@@ -3611,7 +3620,7 @@
       </p:grpSpPr>
       <p:pic>
         <p:nvPicPr>
-          <p:cNvPr descr="Story 14" id="5" name="slide5">
+          <p:cNvPr id="5" name="slide5" descr="Story 14">
             <a:extLst>
               <a:ext uri="{FF2B5EF4-FFF2-40B4-BE49-F238E27FC236}">
                 <a16:creationId xmlns:a16="http://schemas.microsoft.com/office/drawing/2014/main" id="{17418450-2DE6-464C-912D-643445610041}"/>
@@ -3624,7 +3633,7 @@
           <p:nvPr/>
         </p:nvPicPr>
         <p:blipFill>
-          <a:blip r:embed="rId10">
+          <a:blip r:embed="rId2">
             <a:extLst>
               <a:ext uri="{28A0092B-C50C-407E-A947-70E740481C1C}">
                 <a14:useLocalDpi xmlns:a14="http://schemas.microsoft.com/office/drawing/2010/main" val="0"/>
@@ -3645,36 +3654,6 @@
           </a:prstGeom>
         </p:spPr>
       </p:pic>
-    </p:spTree>
-    <p:extLst>
-      <p:ext uri="{BB962C8B-B14F-4D97-AF65-F5344CB8AC3E}">
-        <p14:creationId xmlns:p14="http://schemas.microsoft.com/office/powerpoint/2010/main" val="95992585"/>
-      </p:ext>
-    </p:extLst>
-  </p:cSld>
-  <p:clrMapOvr>
-    <a:masterClrMapping/>
-  </p:clrMapOvr>
-</p:sld>
-</file>
-
-<file path=ppt/slides/slideTemplate.xml><?xml version="1.0" encoding="utf-8"?>
-<p:sld xmlns:a="http://schemas.openxmlformats.org/drawingml/2006/main" xmlns:r="http://schemas.openxmlformats.org/officeDocument/2006/relationships" xmlns:p="http://schemas.openxmlformats.org/presentationml/2006/main">
-  <p:cSld>
-    <p:spTree>
-      <p:nvGrpSpPr>
-        <p:cNvPr id="1" name=""/>
-        <p:cNvGrpSpPr/>
-        <p:nvPr/>
-      </p:nvGrpSpPr>
-      <p:grpSpPr>
-        <a:xfrm>
-          <a:off x="0" y="0"/>
-          <a:ext cx="0" cy="0"/>
-          <a:chOff x="0" y="0"/>
-          <a:chExt cx="0" cy="0"/>
-        </a:xfrm>
-      </p:grpSpPr>
     </p:spTree>
     <p:extLst>
       <p:ext uri="{BB962C8B-B14F-4D97-AF65-F5344CB8AC3E}">
